--- a/week2/발표자료.pptx
+++ b/week2/발표자료.pptx
@@ -5275,7 +5275,7 @@
         </p:blipFill>
         <p:spPr>
           <a:xfrm>
-            <a:off x="3289300" y="838200"/>
+            <a:off x="5290157" y="524636"/>
             <a:ext cx="5613400" cy="5168900"/>
           </a:xfrm>
           <a:prstGeom prst="rect">
@@ -5305,7 +5305,7 @@
         </p:blipFill>
         <p:spPr>
           <a:xfrm>
-            <a:off x="5186665" y="152099"/>
+            <a:off x="249987" y="524636"/>
             <a:ext cx="5588000" cy="5207000"/>
           </a:xfrm>
           <a:prstGeom prst="rect">

--- a/week2/발표자료.pptx
+++ b/week2/발표자료.pptx
@@ -5305,7 +5305,7 @@
         </p:blipFill>
         <p:spPr>
           <a:xfrm>
-            <a:off x="249987" y="524636"/>
+            <a:off x="289180" y="539560"/>
             <a:ext cx="5588000" cy="5207000"/>
           </a:xfrm>
           <a:prstGeom prst="rect">
